--- a/Workshop_7/workshop_7.pptx
+++ b/Workshop_7/workshop_7.pptx
@@ -5,7 +5,7 @@
     <p:sldMasterId id="2147483648" r:id="rId1"/>
   </p:sldMasterIdLst>
   <p:notesMasterIdLst>
-    <p:notesMasterId r:id="rId8"/>
+    <p:notesMasterId r:id="rId7"/>
   </p:notesMasterIdLst>
   <p:sldIdLst>
     <p:sldId id="267" r:id="rId2"/>
@@ -13,7 +13,6 @@
     <p:sldId id="273" r:id="rId4"/>
     <p:sldId id="274" r:id="rId5"/>
     <p:sldId id="269" r:id="rId6"/>
-    <p:sldId id="272" r:id="rId7"/>
   </p:sldIdLst>
   <p:sldSz cx="12192000" cy="6858000"/>
   <p:notesSz cx="6858000" cy="9144000"/>
@@ -3504,8 +3503,8 @@
               </a:spcBef>
             </a:pPr>
             <a:r>
-              <a:rPr lang="en-US" altLang="zh-CN" b="1" dirty="0" smtClean="0"/>
-              <a:t>Http</a:t>
+              <a:rPr lang="en-US" altLang="zh-CN" b="1" smtClean="0"/>
+              <a:t>Network analysis</a:t>
             </a:r>
             <a:endParaRPr b="1" dirty="0"/>
           </a:p>
@@ -3981,59 +3980,6 @@
     <p:extLst>
       <p:ext uri="{BB962C8B-B14F-4D97-AF65-F5344CB8AC3E}">
         <p14:creationId xmlns:p14="http://schemas.microsoft.com/office/powerpoint/2010/main" val="1217414061"/>
-      </p:ext>
-    </p:extLst>
-  </p:cSld>
-  <p:clrMapOvr>
-    <a:masterClrMapping/>
-  </p:clrMapOvr>
-</p:sld>
-</file>
-
-<file path=ppt/slides/slide6.xml><?xml version="1.0" encoding="utf-8"?>
-<p:sld xmlns:a="http://schemas.openxmlformats.org/drawingml/2006/main" xmlns:r="http://schemas.openxmlformats.org/officeDocument/2006/relationships" xmlns:p="http://schemas.openxmlformats.org/presentationml/2006/main">
-  <p:cSld>
-    <p:spTree>
-      <p:nvGrpSpPr>
-        <p:cNvPr id="1" name=""/>
-        <p:cNvGrpSpPr/>
-        <p:nvPr/>
-      </p:nvGrpSpPr>
-      <p:grpSpPr>
-        <a:xfrm>
-          <a:off x="0" y="0"/>
-          <a:ext cx="0" cy="0"/>
-          <a:chOff x="0" y="0"/>
-          <a:chExt cx="0" cy="0"/>
-        </a:xfrm>
-      </p:grpSpPr>
-      <p:sp>
-        <p:nvSpPr>
-          <p:cNvPr id="2" name="Title 1"/>
-          <p:cNvSpPr>
-            <a:spLocks noGrp="1"/>
-          </p:cNvSpPr>
-          <p:nvPr>
-            <p:ph type="title"/>
-          </p:nvPr>
-        </p:nvSpPr>
-        <p:spPr/>
-        <p:txBody>
-          <a:bodyPr/>
-          <a:lstStyle/>
-          <a:p>
-            <a:r>
-              <a:rPr lang="en-US" dirty="0" smtClean="0"/>
-              <a:t>Challenge</a:t>
-            </a:r>
-            <a:endParaRPr lang="en-US" dirty="0"/>
-          </a:p>
-        </p:txBody>
-      </p:sp>
-    </p:spTree>
-    <p:extLst>
-      <p:ext uri="{BB962C8B-B14F-4D97-AF65-F5344CB8AC3E}">
-        <p14:creationId xmlns:p14="http://schemas.microsoft.com/office/powerpoint/2010/main" val="1415509516"/>
       </p:ext>
     </p:extLst>
   </p:cSld>
